--- a/앱_웹 레퍼런스 구상.pptx
+++ b/앱_웹 레퍼런스 구상.pptx
@@ -113,7 +113,7 @@
   </p:defaultTextStyle>
   <p:extLst>
     <p:ext uri="{EFAFB233-063F-42B5-8137-9DF3F51BA10A}">
-      <p15:sldGuideLst xmlns:p15="http://schemas.microsoft.com/office/powerpoint/2012/main">
+      <p15:sldGuideLst xmlns:p15="http://schemas.microsoft.com/office/powerpoint/2012/main" xmlns="">
         <p15:guide id="1" orient="horz" pos="2160">
           <p15:clr>
             <a:srgbClr val="A4A3A4"/>
@@ -212,7 +212,7 @@
           <a:p>
             <a:fld id="{801BB47E-CF01-4BBB-AE4D-A8513F7A2F5A}" type="datetimeFigureOut">
               <a:rPr lang="ko-KR" altLang="en-US" smtClean="0"/>
-              <a:t>2022-01-26</a:t>
+              <a:t>2022-02-10</a:t>
             </a:fld>
             <a:endParaRPr lang="ko-KR" altLang="en-US"/>
           </a:p>
@@ -742,7 +742,7 @@
           <a:p>
             <a:fld id="{BFC066E6-B7C5-40B9-A4CB-E79406861891}" type="datetimeFigureOut">
               <a:rPr lang="ko-KR" altLang="en-US" smtClean="0"/>
-              <a:t>2022-01-26</a:t>
+              <a:t>2022-02-10</a:t>
             </a:fld>
             <a:endParaRPr lang="ko-KR" altLang="en-US"/>
           </a:p>
@@ -910,7 +910,7 @@
           <a:p>
             <a:fld id="{BFC066E6-B7C5-40B9-A4CB-E79406861891}" type="datetimeFigureOut">
               <a:rPr lang="ko-KR" altLang="en-US" smtClean="0"/>
-              <a:t>2022-01-26</a:t>
+              <a:t>2022-02-10</a:t>
             </a:fld>
             <a:endParaRPr lang="ko-KR" altLang="en-US"/>
           </a:p>
@@ -1088,7 +1088,7 @@
           <a:p>
             <a:fld id="{BFC066E6-B7C5-40B9-A4CB-E79406861891}" type="datetimeFigureOut">
               <a:rPr lang="ko-KR" altLang="en-US" smtClean="0"/>
-              <a:t>2022-01-26</a:t>
+              <a:t>2022-02-10</a:t>
             </a:fld>
             <a:endParaRPr lang="ko-KR" altLang="en-US"/>
           </a:p>
@@ -1256,7 +1256,7 @@
           <a:p>
             <a:fld id="{BFC066E6-B7C5-40B9-A4CB-E79406861891}" type="datetimeFigureOut">
               <a:rPr lang="ko-KR" altLang="en-US" smtClean="0"/>
-              <a:t>2022-01-26</a:t>
+              <a:t>2022-02-10</a:t>
             </a:fld>
             <a:endParaRPr lang="ko-KR" altLang="en-US"/>
           </a:p>
@@ -1501,7 +1501,7 @@
           <a:p>
             <a:fld id="{BFC066E6-B7C5-40B9-A4CB-E79406861891}" type="datetimeFigureOut">
               <a:rPr lang="ko-KR" altLang="en-US" smtClean="0"/>
-              <a:t>2022-01-26</a:t>
+              <a:t>2022-02-10</a:t>
             </a:fld>
             <a:endParaRPr lang="ko-KR" altLang="en-US"/>
           </a:p>
@@ -1786,7 +1786,7 @@
           <a:p>
             <a:fld id="{BFC066E6-B7C5-40B9-A4CB-E79406861891}" type="datetimeFigureOut">
               <a:rPr lang="ko-KR" altLang="en-US" smtClean="0"/>
-              <a:t>2022-01-26</a:t>
+              <a:t>2022-02-10</a:t>
             </a:fld>
             <a:endParaRPr lang="ko-KR" altLang="en-US"/>
           </a:p>
@@ -2205,7 +2205,7 @@
           <a:p>
             <a:fld id="{BFC066E6-B7C5-40B9-A4CB-E79406861891}" type="datetimeFigureOut">
               <a:rPr lang="ko-KR" altLang="en-US" smtClean="0"/>
-              <a:t>2022-01-26</a:t>
+              <a:t>2022-02-10</a:t>
             </a:fld>
             <a:endParaRPr lang="ko-KR" altLang="en-US"/>
           </a:p>
@@ -2322,7 +2322,7 @@
           <a:p>
             <a:fld id="{BFC066E6-B7C5-40B9-A4CB-E79406861891}" type="datetimeFigureOut">
               <a:rPr lang="ko-KR" altLang="en-US" smtClean="0"/>
-              <a:t>2022-01-26</a:t>
+              <a:t>2022-02-10</a:t>
             </a:fld>
             <a:endParaRPr lang="ko-KR" altLang="en-US"/>
           </a:p>
@@ -2417,7 +2417,7 @@
           <a:p>
             <a:fld id="{BFC066E6-B7C5-40B9-A4CB-E79406861891}" type="datetimeFigureOut">
               <a:rPr lang="ko-KR" altLang="en-US" smtClean="0"/>
-              <a:t>2022-01-26</a:t>
+              <a:t>2022-02-10</a:t>
             </a:fld>
             <a:endParaRPr lang="ko-KR" altLang="en-US"/>
           </a:p>
@@ -2692,7 +2692,7 @@
           <a:p>
             <a:fld id="{BFC066E6-B7C5-40B9-A4CB-E79406861891}" type="datetimeFigureOut">
               <a:rPr lang="ko-KR" altLang="en-US" smtClean="0"/>
-              <a:t>2022-01-26</a:t>
+              <a:t>2022-02-10</a:t>
             </a:fld>
             <a:endParaRPr lang="ko-KR" altLang="en-US"/>
           </a:p>
@@ -2944,7 +2944,7 @@
           <a:p>
             <a:fld id="{BFC066E6-B7C5-40B9-A4CB-E79406861891}" type="datetimeFigureOut">
               <a:rPr lang="ko-KR" altLang="en-US" smtClean="0"/>
-              <a:t>2022-01-26</a:t>
+              <a:t>2022-02-10</a:t>
             </a:fld>
             <a:endParaRPr lang="ko-KR" altLang="en-US"/>
           </a:p>
@@ -3155,7 +3155,7 @@
           <a:p>
             <a:fld id="{BFC066E6-B7C5-40B9-A4CB-E79406861891}" type="datetimeFigureOut">
               <a:rPr lang="ko-KR" altLang="en-US" smtClean="0"/>
-              <a:t>2022-01-26</a:t>
+              <a:t>2022-02-10</a:t>
             </a:fld>
             <a:endParaRPr lang="ko-KR" altLang="en-US"/>
           </a:p>
@@ -3538,8 +3538,8 @@
         </p:nvSpPr>
         <p:spPr>
           <a:xfrm>
-            <a:off x="323528" y="2050916"/>
-            <a:ext cx="1728192" cy="4618444"/>
+            <a:off x="323528" y="1128101"/>
+            <a:ext cx="1728192" cy="2660939"/>
           </a:xfrm>
           <a:prstGeom prst="rect">
             <a:avLst/>
@@ -3566,7 +3566,135 @@
           <a:lstStyle/>
           <a:p>
             <a:pPr algn="ctr"/>
+            <a:r>
+              <a:rPr lang="ko-KR" altLang="en-US" dirty="0" smtClean="0"/>
+              <a:t>카테고리</a:t>
+            </a:r>
+            <a:endParaRPr lang="ko-KR" altLang="en-US" dirty="0"/>
+          </a:p>
+        </p:txBody>
+      </p:sp>
+      <p:sp>
+        <p:nvSpPr>
+          <p:cNvPr id="6" name="직사각형 5"/>
+          <p:cNvSpPr/>
+          <p:nvPr/>
+        </p:nvSpPr>
+        <p:spPr>
+          <a:xfrm>
+            <a:off x="323528" y="188640"/>
+            <a:ext cx="8568952" cy="819401"/>
+          </a:xfrm>
+          <a:prstGeom prst="rect">
+            <a:avLst/>
+          </a:prstGeom>
+        </p:spPr>
+        <p:style>
+          <a:lnRef idx="2">
+            <a:schemeClr val="accent1">
+              <a:shade val="50000"/>
+            </a:schemeClr>
+          </a:lnRef>
+          <a:fillRef idx="1">
+            <a:schemeClr val="accent1"/>
+          </a:fillRef>
+          <a:effectRef idx="0">
+            <a:schemeClr val="accent1"/>
+          </a:effectRef>
+          <a:fontRef idx="minor">
+            <a:schemeClr val="lt1"/>
+          </a:fontRef>
+        </p:style>
+        <p:txBody>
+          <a:bodyPr rtlCol="0" anchor="ctr"/>
+          <a:lstStyle/>
+          <a:p>
+            <a:pPr algn="ctr"/>
             <a:endParaRPr lang="ko-KR" altLang="en-US"/>
+          </a:p>
+        </p:txBody>
+      </p:sp>
+      <p:sp>
+        <p:nvSpPr>
+          <p:cNvPr id="7" name="직사각형 6"/>
+          <p:cNvSpPr/>
+          <p:nvPr/>
+        </p:nvSpPr>
+        <p:spPr>
+          <a:xfrm>
+            <a:off x="2177124" y="1128100"/>
+            <a:ext cx="6696744" cy="5512337"/>
+          </a:xfrm>
+          <a:prstGeom prst="rect">
+            <a:avLst/>
+          </a:prstGeom>
+        </p:spPr>
+        <p:style>
+          <a:lnRef idx="2">
+            <a:schemeClr val="accent1">
+              <a:shade val="50000"/>
+            </a:schemeClr>
+          </a:lnRef>
+          <a:fillRef idx="1">
+            <a:schemeClr val="accent1"/>
+          </a:fillRef>
+          <a:effectRef idx="0">
+            <a:schemeClr val="accent1"/>
+          </a:effectRef>
+          <a:fontRef idx="minor">
+            <a:schemeClr val="lt1"/>
+          </a:fontRef>
+        </p:style>
+        <p:txBody>
+          <a:bodyPr rtlCol="0" anchor="ctr"/>
+          <a:lstStyle/>
+          <a:p>
+            <a:pPr algn="ctr"/>
+            <a:endParaRPr lang="ko-KR" altLang="en-US"/>
+          </a:p>
+        </p:txBody>
+      </p:sp>
+      <p:sp>
+        <p:nvSpPr>
+          <p:cNvPr id="2" name="직사각형 1"/>
+          <p:cNvSpPr/>
+          <p:nvPr/>
+        </p:nvSpPr>
+        <p:spPr>
+          <a:xfrm>
+            <a:off x="2176486" y="1128101"/>
+            <a:ext cx="6696744" cy="1868852"/>
+          </a:xfrm>
+          <a:prstGeom prst="rect">
+            <a:avLst/>
+          </a:prstGeom>
+        </p:spPr>
+        <p:style>
+          <a:lnRef idx="2">
+            <a:schemeClr val="accent1">
+              <a:shade val="50000"/>
+            </a:schemeClr>
+          </a:lnRef>
+          <a:fillRef idx="1">
+            <a:schemeClr val="accent1"/>
+          </a:fillRef>
+          <a:effectRef idx="0">
+            <a:schemeClr val="accent1"/>
+          </a:effectRef>
+          <a:fontRef idx="minor">
+            <a:schemeClr val="lt1"/>
+          </a:fontRef>
+        </p:style>
+        <p:txBody>
+          <a:bodyPr rtlCol="0" anchor="ctr"/>
+          <a:lstStyle/>
+          <a:p>
+            <a:pPr algn="ctr"/>
+            <a:r>
+              <a:rPr lang="ko-KR" altLang="en-US" dirty="0" smtClean="0"/>
+              <a:t>공지사항</a:t>
+            </a:r>
+            <a:endParaRPr lang="ko-KR" altLang="en-US" dirty="0"/>
           </a:p>
         </p:txBody>
       </p:sp>
@@ -3578,7 +3706,7 @@
         </p:nvSpPr>
         <p:spPr>
           <a:xfrm>
-            <a:off x="323528" y="188640"/>
+            <a:off x="5796136" y="569433"/>
             <a:ext cx="1728192" cy="1638803"/>
           </a:xfrm>
           <a:prstGeom prst="rect">
@@ -3607,22 +3735,23 @@
           <a:p>
             <a:pPr algn="ctr"/>
             <a:r>
-              <a:rPr lang="ko-KR" altLang="en-US" dirty="0"/>
-              <a:t>로그인</a:t>
-            </a:r>
-          </a:p>
-        </p:txBody>
-      </p:sp>
-      <p:sp>
-        <p:nvSpPr>
-          <p:cNvPr id="6" name="직사각형 5"/>
+              <a:rPr lang="ko-KR" altLang="en-US" dirty="0" smtClean="0"/>
+              <a:t>로그인 정보</a:t>
+            </a:r>
+            <a:endParaRPr lang="ko-KR" altLang="en-US" dirty="0"/>
+          </a:p>
+        </p:txBody>
+      </p:sp>
+      <p:sp>
+        <p:nvSpPr>
+          <p:cNvPr id="3" name="직사각형 2"/>
           <p:cNvSpPr/>
           <p:nvPr/>
         </p:nvSpPr>
         <p:spPr>
           <a:xfrm>
-            <a:off x="2195736" y="188640"/>
-            <a:ext cx="6696744" cy="819401"/>
+            <a:off x="2176486" y="3292704"/>
+            <a:ext cx="6696744" cy="1800200"/>
           </a:xfrm>
           <a:prstGeom prst="rect">
             <a:avLst/>
@@ -3649,20 +3778,28 @@
           <a:lstStyle/>
           <a:p>
             <a:pPr algn="ctr"/>
-            <a:endParaRPr lang="ko-KR" altLang="en-US"/>
-          </a:p>
-        </p:txBody>
-      </p:sp>
-      <p:sp>
-        <p:nvSpPr>
-          <p:cNvPr id="7" name="직사각형 6"/>
+            <a:r>
+              <a:rPr lang="ko-KR" altLang="en-US" dirty="0" smtClean="0"/>
+              <a:t>최근 </a:t>
+            </a:r>
+            <a:r>
+              <a:rPr lang="ko-KR" altLang="en-US" dirty="0" err="1" smtClean="0"/>
+              <a:t>게시글</a:t>
+            </a:r>
+            <a:endParaRPr lang="ko-KR" altLang="en-US" dirty="0"/>
+          </a:p>
+        </p:txBody>
+      </p:sp>
+      <p:sp>
+        <p:nvSpPr>
+          <p:cNvPr id="8" name="직사각형 7"/>
           <p:cNvSpPr/>
           <p:nvPr/>
         </p:nvSpPr>
         <p:spPr>
           <a:xfrm>
-            <a:off x="2195736" y="1157023"/>
-            <a:ext cx="6696744" cy="5512337"/>
+            <a:off x="2176486" y="5301208"/>
+            <a:ext cx="6696744" cy="1339229"/>
           </a:xfrm>
           <a:prstGeom prst="rect">
             <a:avLst/>
@@ -3689,7 +3826,215 @@
           <a:lstStyle/>
           <a:p>
             <a:pPr algn="ctr"/>
+            <a:r>
+              <a:rPr lang="ko-KR" altLang="en-US" dirty="0" smtClean="0"/>
+              <a:t>동영상</a:t>
+            </a:r>
+            <a:endParaRPr lang="ko-KR" altLang="en-US" dirty="0"/>
+          </a:p>
+        </p:txBody>
+      </p:sp>
+      <p:sp>
+        <p:nvSpPr>
+          <p:cNvPr id="9" name="직사각형 8"/>
+          <p:cNvSpPr/>
+          <p:nvPr/>
+        </p:nvSpPr>
+        <p:spPr>
+          <a:xfrm>
+            <a:off x="2411760" y="5517232"/>
+            <a:ext cx="1368152" cy="864096"/>
+          </a:xfrm>
+          <a:prstGeom prst="rect">
+            <a:avLst/>
+          </a:prstGeom>
+        </p:spPr>
+        <p:style>
+          <a:lnRef idx="2">
+            <a:schemeClr val="accent1">
+              <a:shade val="50000"/>
+            </a:schemeClr>
+          </a:lnRef>
+          <a:fillRef idx="1">
+            <a:schemeClr val="accent1"/>
+          </a:fillRef>
+          <a:effectRef idx="0">
+            <a:schemeClr val="accent1"/>
+          </a:effectRef>
+          <a:fontRef idx="minor">
+            <a:schemeClr val="lt1"/>
+          </a:fontRef>
+        </p:style>
+        <p:txBody>
+          <a:bodyPr rtlCol="0" anchor="ctr"/>
+          <a:lstStyle/>
+          <a:p>
+            <a:pPr algn="ctr"/>
             <a:endParaRPr lang="ko-KR" altLang="en-US"/>
+          </a:p>
+        </p:txBody>
+      </p:sp>
+      <p:sp>
+        <p:nvSpPr>
+          <p:cNvPr id="10" name="직사각형 9"/>
+          <p:cNvSpPr/>
+          <p:nvPr/>
+        </p:nvSpPr>
+        <p:spPr>
+          <a:xfrm>
+            <a:off x="4067944" y="5517232"/>
+            <a:ext cx="1368152" cy="864096"/>
+          </a:xfrm>
+          <a:prstGeom prst="rect">
+            <a:avLst/>
+          </a:prstGeom>
+        </p:spPr>
+        <p:style>
+          <a:lnRef idx="2">
+            <a:schemeClr val="accent1">
+              <a:shade val="50000"/>
+            </a:schemeClr>
+          </a:lnRef>
+          <a:fillRef idx="1">
+            <a:schemeClr val="accent1"/>
+          </a:fillRef>
+          <a:effectRef idx="0">
+            <a:schemeClr val="accent1"/>
+          </a:effectRef>
+          <a:fontRef idx="minor">
+            <a:schemeClr val="lt1"/>
+          </a:fontRef>
+        </p:style>
+        <p:txBody>
+          <a:bodyPr rtlCol="0" anchor="ctr"/>
+          <a:lstStyle/>
+          <a:p>
+            <a:pPr algn="ctr"/>
+            <a:endParaRPr lang="ko-KR" altLang="en-US"/>
+          </a:p>
+        </p:txBody>
+      </p:sp>
+      <p:sp>
+        <p:nvSpPr>
+          <p:cNvPr id="11" name="직사각형 10"/>
+          <p:cNvSpPr/>
+          <p:nvPr/>
+        </p:nvSpPr>
+        <p:spPr>
+          <a:xfrm>
+            <a:off x="5688991" y="5517232"/>
+            <a:ext cx="1368152" cy="864096"/>
+          </a:xfrm>
+          <a:prstGeom prst="rect">
+            <a:avLst/>
+          </a:prstGeom>
+        </p:spPr>
+        <p:style>
+          <a:lnRef idx="2">
+            <a:schemeClr val="accent1">
+              <a:shade val="50000"/>
+            </a:schemeClr>
+          </a:lnRef>
+          <a:fillRef idx="1">
+            <a:schemeClr val="accent1"/>
+          </a:fillRef>
+          <a:effectRef idx="0">
+            <a:schemeClr val="accent1"/>
+          </a:effectRef>
+          <a:fontRef idx="minor">
+            <a:schemeClr val="lt1"/>
+          </a:fontRef>
+        </p:style>
+        <p:txBody>
+          <a:bodyPr rtlCol="0" anchor="ctr"/>
+          <a:lstStyle/>
+          <a:p>
+            <a:pPr algn="ctr"/>
+            <a:endParaRPr lang="ko-KR" altLang="en-US"/>
+          </a:p>
+        </p:txBody>
+      </p:sp>
+      <p:sp>
+        <p:nvSpPr>
+          <p:cNvPr id="12" name="직사각형 11"/>
+          <p:cNvSpPr/>
+          <p:nvPr/>
+        </p:nvSpPr>
+        <p:spPr>
+          <a:xfrm>
+            <a:off x="7308304" y="5517232"/>
+            <a:ext cx="1368152" cy="864096"/>
+          </a:xfrm>
+          <a:prstGeom prst="rect">
+            <a:avLst/>
+          </a:prstGeom>
+        </p:spPr>
+        <p:style>
+          <a:lnRef idx="2">
+            <a:schemeClr val="accent1">
+              <a:shade val="50000"/>
+            </a:schemeClr>
+          </a:lnRef>
+          <a:fillRef idx="1">
+            <a:schemeClr val="accent1"/>
+          </a:fillRef>
+          <a:effectRef idx="0">
+            <a:schemeClr val="accent1"/>
+          </a:effectRef>
+          <a:fontRef idx="minor">
+            <a:schemeClr val="lt1"/>
+          </a:fontRef>
+        </p:style>
+        <p:txBody>
+          <a:bodyPr rtlCol="0" anchor="ctr"/>
+          <a:lstStyle/>
+          <a:p>
+            <a:pPr algn="ctr"/>
+            <a:endParaRPr lang="ko-KR" altLang="en-US"/>
+          </a:p>
+        </p:txBody>
+      </p:sp>
+      <p:sp>
+        <p:nvSpPr>
+          <p:cNvPr id="13" name="직사각형 12"/>
+          <p:cNvSpPr/>
+          <p:nvPr/>
+        </p:nvSpPr>
+        <p:spPr>
+          <a:xfrm>
+            <a:off x="323528" y="3884268"/>
+            <a:ext cx="1728192" cy="2756169"/>
+          </a:xfrm>
+          <a:prstGeom prst="rect">
+            <a:avLst/>
+          </a:prstGeom>
+        </p:spPr>
+        <p:style>
+          <a:lnRef idx="2">
+            <a:schemeClr val="accent1">
+              <a:shade val="50000"/>
+            </a:schemeClr>
+          </a:lnRef>
+          <a:fillRef idx="1">
+            <a:schemeClr val="accent1"/>
+          </a:fillRef>
+          <a:effectRef idx="0">
+            <a:schemeClr val="accent1"/>
+          </a:effectRef>
+          <a:fontRef idx="minor">
+            <a:schemeClr val="lt1"/>
+          </a:fontRef>
+        </p:style>
+        <p:txBody>
+          <a:bodyPr rtlCol="0" anchor="ctr"/>
+          <a:lstStyle/>
+          <a:p>
+            <a:pPr algn="ctr"/>
+            <a:r>
+              <a:rPr lang="ko-KR" altLang="en-US" dirty="0" smtClean="0"/>
+              <a:t>방문자 목록</a:t>
+            </a:r>
+            <a:endParaRPr lang="ko-KR" altLang="en-US" dirty="0"/>
           </a:p>
         </p:txBody>
       </p:sp>

--- a/앱_웹 레퍼런스 구상.pptx
+++ b/앱_웹 레퍼런스 구상.pptx
@@ -113,7 +113,7 @@
   </p:defaultTextStyle>
   <p:extLst>
     <p:ext uri="{EFAFB233-063F-42B5-8137-9DF3F51BA10A}">
-      <p15:sldGuideLst xmlns:p15="http://schemas.microsoft.com/office/powerpoint/2012/main" xmlns="">
+      <p15:sldGuideLst xmlns:p15="http://schemas.microsoft.com/office/powerpoint/2012/main">
         <p15:guide id="1" orient="horz" pos="2160">
           <p15:clr>
             <a:srgbClr val="A4A3A4"/>
@@ -212,7 +212,7 @@
           <a:p>
             <a:fld id="{801BB47E-CF01-4BBB-AE4D-A8513F7A2F5A}" type="datetimeFigureOut">
               <a:rPr lang="ko-KR" altLang="en-US" smtClean="0"/>
-              <a:t>2022-02-10</a:t>
+              <a:t>2022-02-11</a:t>
             </a:fld>
             <a:endParaRPr lang="ko-KR" altLang="en-US"/>
           </a:p>
@@ -742,7 +742,7 @@
           <a:p>
             <a:fld id="{BFC066E6-B7C5-40B9-A4CB-E79406861891}" type="datetimeFigureOut">
               <a:rPr lang="ko-KR" altLang="en-US" smtClean="0"/>
-              <a:t>2022-02-10</a:t>
+              <a:t>2022-02-11</a:t>
             </a:fld>
             <a:endParaRPr lang="ko-KR" altLang="en-US"/>
           </a:p>
@@ -910,7 +910,7 @@
           <a:p>
             <a:fld id="{BFC066E6-B7C5-40B9-A4CB-E79406861891}" type="datetimeFigureOut">
               <a:rPr lang="ko-KR" altLang="en-US" smtClean="0"/>
-              <a:t>2022-02-10</a:t>
+              <a:t>2022-02-11</a:t>
             </a:fld>
             <a:endParaRPr lang="ko-KR" altLang="en-US"/>
           </a:p>
@@ -1088,7 +1088,7 @@
           <a:p>
             <a:fld id="{BFC066E6-B7C5-40B9-A4CB-E79406861891}" type="datetimeFigureOut">
               <a:rPr lang="ko-KR" altLang="en-US" smtClean="0"/>
-              <a:t>2022-02-10</a:t>
+              <a:t>2022-02-11</a:t>
             </a:fld>
             <a:endParaRPr lang="ko-KR" altLang="en-US"/>
           </a:p>
@@ -1256,7 +1256,7 @@
           <a:p>
             <a:fld id="{BFC066E6-B7C5-40B9-A4CB-E79406861891}" type="datetimeFigureOut">
               <a:rPr lang="ko-KR" altLang="en-US" smtClean="0"/>
-              <a:t>2022-02-10</a:t>
+              <a:t>2022-02-11</a:t>
             </a:fld>
             <a:endParaRPr lang="ko-KR" altLang="en-US"/>
           </a:p>
@@ -1501,7 +1501,7 @@
           <a:p>
             <a:fld id="{BFC066E6-B7C5-40B9-A4CB-E79406861891}" type="datetimeFigureOut">
               <a:rPr lang="ko-KR" altLang="en-US" smtClean="0"/>
-              <a:t>2022-02-10</a:t>
+              <a:t>2022-02-11</a:t>
             </a:fld>
             <a:endParaRPr lang="ko-KR" altLang="en-US"/>
           </a:p>
@@ -1786,7 +1786,7 @@
           <a:p>
             <a:fld id="{BFC066E6-B7C5-40B9-A4CB-E79406861891}" type="datetimeFigureOut">
               <a:rPr lang="ko-KR" altLang="en-US" smtClean="0"/>
-              <a:t>2022-02-10</a:t>
+              <a:t>2022-02-11</a:t>
             </a:fld>
             <a:endParaRPr lang="ko-KR" altLang="en-US"/>
           </a:p>
@@ -2205,7 +2205,7 @@
           <a:p>
             <a:fld id="{BFC066E6-B7C5-40B9-A4CB-E79406861891}" type="datetimeFigureOut">
               <a:rPr lang="ko-KR" altLang="en-US" smtClean="0"/>
-              <a:t>2022-02-10</a:t>
+              <a:t>2022-02-11</a:t>
             </a:fld>
             <a:endParaRPr lang="ko-KR" altLang="en-US"/>
           </a:p>
@@ -2322,7 +2322,7 @@
           <a:p>
             <a:fld id="{BFC066E6-B7C5-40B9-A4CB-E79406861891}" type="datetimeFigureOut">
               <a:rPr lang="ko-KR" altLang="en-US" smtClean="0"/>
-              <a:t>2022-02-10</a:t>
+              <a:t>2022-02-11</a:t>
             </a:fld>
             <a:endParaRPr lang="ko-KR" altLang="en-US"/>
           </a:p>
@@ -2417,7 +2417,7 @@
           <a:p>
             <a:fld id="{BFC066E6-B7C5-40B9-A4CB-E79406861891}" type="datetimeFigureOut">
               <a:rPr lang="ko-KR" altLang="en-US" smtClean="0"/>
-              <a:t>2022-02-10</a:t>
+              <a:t>2022-02-11</a:t>
             </a:fld>
             <a:endParaRPr lang="ko-KR" altLang="en-US"/>
           </a:p>
@@ -2692,7 +2692,7 @@
           <a:p>
             <a:fld id="{BFC066E6-B7C5-40B9-A4CB-E79406861891}" type="datetimeFigureOut">
               <a:rPr lang="ko-KR" altLang="en-US" smtClean="0"/>
-              <a:t>2022-02-10</a:t>
+              <a:t>2022-02-11</a:t>
             </a:fld>
             <a:endParaRPr lang="ko-KR" altLang="en-US"/>
           </a:p>
@@ -2944,7 +2944,7 @@
           <a:p>
             <a:fld id="{BFC066E6-B7C5-40B9-A4CB-E79406861891}" type="datetimeFigureOut">
               <a:rPr lang="ko-KR" altLang="en-US" smtClean="0"/>
-              <a:t>2022-02-10</a:t>
+              <a:t>2022-02-11</a:t>
             </a:fld>
             <a:endParaRPr lang="ko-KR" altLang="en-US"/>
           </a:p>
@@ -3155,7 +3155,7 @@
           <a:p>
             <a:fld id="{BFC066E6-B7C5-40B9-A4CB-E79406861891}" type="datetimeFigureOut">
               <a:rPr lang="ko-KR" altLang="en-US" smtClean="0"/>
-              <a:t>2022-02-10</a:t>
+              <a:t>2022-02-11</a:t>
             </a:fld>
             <a:endParaRPr lang="ko-KR" altLang="en-US"/>
           </a:p>
@@ -3567,10 +3567,29 @@
           <a:p>
             <a:pPr algn="ctr"/>
             <a:r>
-              <a:rPr lang="ko-KR" altLang="en-US" dirty="0" smtClean="0"/>
+              <a:rPr lang="ko-KR" altLang="en-US" dirty="0"/>
               <a:t>카테고리</a:t>
             </a:r>
-            <a:endParaRPr lang="ko-KR" altLang="en-US" dirty="0"/>
+            <a:endParaRPr lang="en-US" altLang="ko-KR" dirty="0"/>
+          </a:p>
+          <a:p>
+            <a:pPr algn="ctr"/>
+            <a:endParaRPr lang="en-US" altLang="ko-KR" dirty="0"/>
+          </a:p>
+          <a:p>
+            <a:pPr algn="ctr"/>
+            <a:r>
+              <a:rPr lang="ko-KR" altLang="en-US" dirty="0"/>
+              <a:t>일상공유</a:t>
+            </a:r>
+            <a:endParaRPr lang="en-US" altLang="ko-KR" dirty="0"/>
+          </a:p>
+          <a:p>
+            <a:pPr algn="ctr"/>
+            <a:r>
+              <a:rPr lang="ko-KR" altLang="en-US" dirty="0"/>
+              <a:t>코딩공유</a:t>
+            </a:r>
           </a:p>
         </p:txBody>
       </p:sp>
@@ -3691,10 +3710,9 @@
           <a:p>
             <a:pPr algn="ctr"/>
             <a:r>
-              <a:rPr lang="ko-KR" altLang="en-US" dirty="0" smtClean="0"/>
+              <a:rPr lang="ko-KR" altLang="en-US" dirty="0"/>
               <a:t>공지사항</a:t>
             </a:r>
-            <a:endParaRPr lang="ko-KR" altLang="en-US" dirty="0"/>
           </a:p>
         </p:txBody>
       </p:sp>
@@ -3735,8 +3753,24 @@
           <a:p>
             <a:pPr algn="ctr"/>
             <a:r>
-              <a:rPr lang="ko-KR" altLang="en-US" dirty="0" smtClean="0"/>
+              <a:rPr lang="ko-KR" altLang="en-US" dirty="0"/>
               <a:t>로그인 정보</a:t>
+            </a:r>
+            <a:endParaRPr lang="en-US" altLang="ko-KR" dirty="0"/>
+          </a:p>
+          <a:p>
+            <a:pPr algn="ctr"/>
+            <a:r>
+              <a:rPr lang="en-US" altLang="ko-KR" dirty="0"/>
+              <a:t>(</a:t>
+            </a:r>
+            <a:r>
+              <a:rPr lang="ko-KR" altLang="en-US" dirty="0" err="1"/>
+              <a:t>팝업창</a:t>
+            </a:r>
+            <a:r>
+              <a:rPr lang="en-US" altLang="ko-KR" dirty="0"/>
+              <a:t>)</a:t>
             </a:r>
             <a:endParaRPr lang="ko-KR" altLang="en-US" dirty="0"/>
           </a:p>
@@ -3779,11 +3813,11 @@
           <a:p>
             <a:pPr algn="ctr"/>
             <a:r>
-              <a:rPr lang="ko-KR" altLang="en-US" dirty="0" smtClean="0"/>
+              <a:rPr lang="ko-KR" altLang="en-US" dirty="0"/>
               <a:t>최근 </a:t>
             </a:r>
             <a:r>
-              <a:rPr lang="ko-KR" altLang="en-US" dirty="0" err="1" smtClean="0"/>
+              <a:rPr lang="ko-KR" altLang="en-US" dirty="0" err="1"/>
               <a:t>게시글</a:t>
             </a:r>
             <a:endParaRPr lang="ko-KR" altLang="en-US" dirty="0"/>
@@ -3827,10 +3861,9 @@
           <a:p>
             <a:pPr algn="ctr"/>
             <a:r>
-              <a:rPr lang="ko-KR" altLang="en-US" dirty="0" smtClean="0"/>
+              <a:rPr lang="ko-KR" altLang="en-US" dirty="0"/>
               <a:t>동영상</a:t>
             </a:r>
-            <a:endParaRPr lang="ko-KR" altLang="en-US" dirty="0"/>
           </a:p>
         </p:txBody>
       </p:sp>
@@ -3870,20 +3903,23 @@
           <a:lstStyle/>
           <a:p>
             <a:pPr algn="ctr"/>
-            <a:endParaRPr lang="ko-KR" altLang="en-US"/>
-          </a:p>
-        </p:txBody>
-      </p:sp>
-      <p:sp>
-        <p:nvSpPr>
-          <p:cNvPr id="10" name="직사각형 9"/>
+            <a:r>
+              <a:rPr lang="ko-KR" altLang="en-US" sz="1600" dirty="0"/>
+              <a:t>최근 동영상</a:t>
+            </a:r>
+          </a:p>
+        </p:txBody>
+      </p:sp>
+      <p:sp>
+        <p:nvSpPr>
+          <p:cNvPr id="13" name="직사각형 12"/>
           <p:cNvSpPr/>
           <p:nvPr/>
         </p:nvSpPr>
         <p:spPr>
           <a:xfrm>
-            <a:off x="4067944" y="5517232"/>
-            <a:ext cx="1368152" cy="864096"/>
+            <a:off x="323528" y="3884268"/>
+            <a:ext cx="1728192" cy="2756169"/>
           </a:xfrm>
           <a:prstGeom prst="rect">
             <a:avLst/>
@@ -3910,19 +3946,28 @@
           <a:lstStyle/>
           <a:p>
             <a:pPr algn="ctr"/>
-            <a:endParaRPr lang="ko-KR" altLang="en-US"/>
-          </a:p>
-        </p:txBody>
-      </p:sp>
-      <p:sp>
-        <p:nvSpPr>
-          <p:cNvPr id="11" name="직사각형 10"/>
+            <a:r>
+              <a:rPr lang="ko-KR" altLang="en-US" dirty="0"/>
+              <a:t>방문자 목록</a:t>
+            </a:r>
+          </a:p>
+        </p:txBody>
+      </p:sp>
+      <p:sp>
+        <p:nvSpPr>
+          <p:cNvPr id="14" name="직사각형 13">
+            <a:extLst>
+              <a:ext uri="{FF2B5EF4-FFF2-40B4-BE49-F238E27FC236}">
+                <a16:creationId xmlns:a16="http://schemas.microsoft.com/office/drawing/2014/main" id="{A89D8FD0-21FB-4BB3-834B-B2016676C284}"/>
+              </a:ext>
+            </a:extLst>
+          </p:cNvPr>
           <p:cNvSpPr/>
           <p:nvPr/>
         </p:nvSpPr>
         <p:spPr>
           <a:xfrm>
-            <a:off x="5688991" y="5517232"/>
+            <a:off x="3953602" y="5517232"/>
             <a:ext cx="1368152" cy="864096"/>
           </a:xfrm>
           <a:prstGeom prst="rect">
@@ -3950,19 +3995,28 @@
           <a:lstStyle/>
           <a:p>
             <a:pPr algn="ctr"/>
-            <a:endParaRPr lang="ko-KR" altLang="en-US"/>
-          </a:p>
-        </p:txBody>
-      </p:sp>
-      <p:sp>
-        <p:nvSpPr>
-          <p:cNvPr id="12" name="직사각형 11"/>
+            <a:r>
+              <a:rPr lang="ko-KR" altLang="en-US" sz="1600" dirty="0"/>
+              <a:t>최근 동영상</a:t>
+            </a:r>
+          </a:p>
+        </p:txBody>
+      </p:sp>
+      <p:sp>
+        <p:nvSpPr>
+          <p:cNvPr id="15" name="직사각형 14">
+            <a:extLst>
+              <a:ext uri="{FF2B5EF4-FFF2-40B4-BE49-F238E27FC236}">
+                <a16:creationId xmlns:a16="http://schemas.microsoft.com/office/drawing/2014/main" id="{41AC2A06-9B17-4E1B-A446-5D35D32B0764}"/>
+              </a:ext>
+            </a:extLst>
+          </p:cNvPr>
           <p:cNvSpPr/>
           <p:nvPr/>
         </p:nvSpPr>
         <p:spPr>
           <a:xfrm>
-            <a:off x="7308304" y="5517232"/>
+            <a:off x="5503884" y="5538774"/>
             <a:ext cx="1368152" cy="864096"/>
           </a:xfrm>
           <a:prstGeom prst="rect">
@@ -3990,20 +4044,29 @@
           <a:lstStyle/>
           <a:p>
             <a:pPr algn="ctr"/>
-            <a:endParaRPr lang="ko-KR" altLang="en-US"/>
-          </a:p>
-        </p:txBody>
-      </p:sp>
-      <p:sp>
-        <p:nvSpPr>
-          <p:cNvPr id="13" name="직사각형 12"/>
+            <a:r>
+              <a:rPr lang="ko-KR" altLang="en-US" sz="1600" dirty="0"/>
+              <a:t>최근 동영상</a:t>
+            </a:r>
+          </a:p>
+        </p:txBody>
+      </p:sp>
+      <p:sp>
+        <p:nvSpPr>
+          <p:cNvPr id="16" name="직사각형 15">
+            <a:extLst>
+              <a:ext uri="{FF2B5EF4-FFF2-40B4-BE49-F238E27FC236}">
+                <a16:creationId xmlns:a16="http://schemas.microsoft.com/office/drawing/2014/main" id="{C6E91D8B-AC90-4EDA-A74C-89C697FF8DF3}"/>
+              </a:ext>
+            </a:extLst>
+          </p:cNvPr>
           <p:cNvSpPr/>
           <p:nvPr/>
         </p:nvSpPr>
         <p:spPr>
           <a:xfrm>
-            <a:off x="323528" y="3884268"/>
-            <a:ext cx="1728192" cy="2756169"/>
+            <a:off x="7236296" y="5517232"/>
+            <a:ext cx="1368152" cy="864096"/>
           </a:xfrm>
           <a:prstGeom prst="rect">
             <a:avLst/>
@@ -4031,10 +4094,9 @@
           <a:p>
             <a:pPr algn="ctr"/>
             <a:r>
-              <a:rPr lang="ko-KR" altLang="en-US" dirty="0" smtClean="0"/>
-              <a:t>방문자 목록</a:t>
-            </a:r>
-            <a:endParaRPr lang="ko-KR" altLang="en-US" dirty="0"/>
+              <a:rPr lang="ko-KR" altLang="en-US" sz="1600" dirty="0"/>
+              <a:t>최근 동영상</a:t>
+            </a:r>
           </a:p>
         </p:txBody>
       </p:sp>
@@ -4149,8 +4211,8 @@
         </p:nvSpPr>
         <p:spPr>
           <a:xfrm>
-            <a:off x="755576" y="764704"/>
-            <a:ext cx="7920880" cy="5760640"/>
+            <a:off x="2123728" y="1124744"/>
+            <a:ext cx="6552728" cy="5400600"/>
           </a:xfrm>
           <a:prstGeom prst="rect">
             <a:avLst/>
@@ -4189,8 +4251,8 @@
         </p:nvSpPr>
         <p:spPr>
           <a:xfrm>
-            <a:off x="3419872" y="188640"/>
-            <a:ext cx="2592288" cy="432048"/>
+            <a:off x="2743324" y="525243"/>
+            <a:ext cx="2592288" cy="506306"/>
           </a:xfrm>
           <a:prstGeom prst="rect">
             <a:avLst/>
@@ -4232,8 +4294,156 @@
         </p:nvSpPr>
         <p:spPr>
           <a:xfrm>
-            <a:off x="971600" y="980728"/>
-            <a:ext cx="7416824" cy="360040"/>
+            <a:off x="2332224" y="1389838"/>
+            <a:ext cx="6135736" cy="337538"/>
+          </a:xfrm>
+          <a:prstGeom prst="rect">
+            <a:avLst/>
+          </a:prstGeom>
+        </p:spPr>
+        <p:style>
+          <a:lnRef idx="2">
+            <a:schemeClr val="accent1">
+              <a:shade val="50000"/>
+            </a:schemeClr>
+          </a:lnRef>
+          <a:fillRef idx="1">
+            <a:schemeClr val="accent1"/>
+          </a:fillRef>
+          <a:effectRef idx="0">
+            <a:schemeClr val="accent1"/>
+          </a:effectRef>
+          <a:fontRef idx="minor">
+            <a:schemeClr val="lt1"/>
+          </a:fontRef>
+        </p:style>
+        <p:txBody>
+          <a:bodyPr rtlCol="0" anchor="ctr"/>
+          <a:lstStyle/>
+          <a:p>
+            <a:pPr algn="ctr"/>
+            <a:endParaRPr lang="ko-KR" altLang="en-US"/>
+          </a:p>
+        </p:txBody>
+      </p:sp>
+      <p:sp>
+        <p:nvSpPr>
+          <p:cNvPr id="2" name="직사각형 1">
+            <a:extLst>
+              <a:ext uri="{FF2B5EF4-FFF2-40B4-BE49-F238E27FC236}">
+                <a16:creationId xmlns:a16="http://schemas.microsoft.com/office/drawing/2014/main" id="{EDB30892-5F46-4D1B-9DF8-EB0896D915FC}"/>
+              </a:ext>
+            </a:extLst>
+          </p:cNvPr>
+          <p:cNvSpPr/>
+          <p:nvPr/>
+        </p:nvSpPr>
+        <p:spPr>
+          <a:xfrm>
+            <a:off x="107504" y="1124744"/>
+            <a:ext cx="1857152" cy="5400600"/>
+          </a:xfrm>
+          <a:prstGeom prst="rect">
+            <a:avLst/>
+          </a:prstGeom>
+        </p:spPr>
+        <p:style>
+          <a:lnRef idx="2">
+            <a:schemeClr val="accent1">
+              <a:shade val="50000"/>
+            </a:schemeClr>
+          </a:lnRef>
+          <a:fillRef idx="1">
+            <a:schemeClr val="accent1"/>
+          </a:fillRef>
+          <a:effectRef idx="0">
+            <a:schemeClr val="accent1"/>
+          </a:effectRef>
+          <a:fontRef idx="minor">
+            <a:schemeClr val="lt1"/>
+          </a:fontRef>
+        </p:style>
+        <p:txBody>
+          <a:bodyPr rtlCol="0" anchor="ctr"/>
+          <a:lstStyle/>
+          <a:p>
+            <a:pPr algn="ctr"/>
+            <a:r>
+              <a:rPr lang="ko-KR" altLang="en-US" dirty="0"/>
+              <a:t>앱</a:t>
+            </a:r>
+            <a:r>
+              <a:rPr lang="en-US" altLang="ko-KR" dirty="0"/>
+              <a:t>/</a:t>
+            </a:r>
+            <a:r>
+              <a:rPr lang="ko-KR" altLang="en-US" dirty="0"/>
+              <a:t>웹</a:t>
+            </a:r>
+            <a:endParaRPr lang="en-US" altLang="ko-KR" dirty="0"/>
+          </a:p>
+          <a:p>
+            <a:pPr algn="ctr"/>
+            <a:endParaRPr lang="en-US" altLang="ko-KR" dirty="0"/>
+          </a:p>
+          <a:p>
+            <a:pPr algn="ctr"/>
+            <a:r>
+              <a:rPr lang="ko-KR" altLang="en-US" dirty="0"/>
+              <a:t>게임</a:t>
+            </a:r>
+            <a:endParaRPr lang="en-US" altLang="ko-KR" dirty="0"/>
+          </a:p>
+          <a:p>
+            <a:pPr algn="ctr"/>
+            <a:endParaRPr lang="en-US" altLang="ko-KR" dirty="0"/>
+          </a:p>
+          <a:p>
+            <a:pPr algn="ctr"/>
+            <a:r>
+              <a:rPr lang="ko-KR" altLang="en-US" dirty="0"/>
+              <a:t>인공지능</a:t>
+            </a:r>
+            <a:endParaRPr lang="en-US" altLang="ko-KR" dirty="0"/>
+          </a:p>
+          <a:p>
+            <a:pPr algn="ctr"/>
+            <a:endParaRPr lang="en-US" altLang="ko-KR" dirty="0"/>
+          </a:p>
+          <a:p>
+            <a:pPr algn="ctr"/>
+            <a:r>
+              <a:rPr lang="ko-KR" altLang="en-US" dirty="0"/>
+              <a:t>네트워크</a:t>
+            </a:r>
+            <a:endParaRPr lang="en-US" altLang="ko-KR" dirty="0"/>
+          </a:p>
+          <a:p>
+            <a:pPr algn="ctr"/>
+            <a:endParaRPr lang="en-US" altLang="ko-KR" dirty="0"/>
+          </a:p>
+          <a:p>
+            <a:pPr algn="ctr"/>
+            <a:endParaRPr lang="ko-KR" altLang="en-US" dirty="0"/>
+          </a:p>
+        </p:txBody>
+      </p:sp>
+      <p:sp>
+        <p:nvSpPr>
+          <p:cNvPr id="3" name="직사각형 2">
+            <a:extLst>
+              <a:ext uri="{FF2B5EF4-FFF2-40B4-BE49-F238E27FC236}">
+                <a16:creationId xmlns:a16="http://schemas.microsoft.com/office/drawing/2014/main" id="{2042EB66-8908-46EB-80FD-516419844018}"/>
+              </a:ext>
+            </a:extLst>
+          </p:cNvPr>
+          <p:cNvSpPr/>
+          <p:nvPr/>
+        </p:nvSpPr>
+        <p:spPr>
+          <a:xfrm>
+            <a:off x="0" y="0"/>
+            <a:ext cx="9144000" cy="432048"/>
           </a:xfrm>
           <a:prstGeom prst="rect">
             <a:avLst/>
@@ -4346,7 +4556,7 @@
         <p:spPr>
           <a:xfrm>
             <a:off x="1259632" y="2060848"/>
-            <a:ext cx="7056784" cy="4464496"/>
+            <a:ext cx="7056784" cy="3600400"/>
           </a:xfrm>
           <a:prstGeom prst="rect">
             <a:avLst/>
@@ -4420,6 +4630,104 @@
             <a:r>
               <a:rPr lang="ko-KR" altLang="en-US" dirty="0"/>
               <a:t>게시판 종류</a:t>
+            </a:r>
+          </a:p>
+        </p:txBody>
+      </p:sp>
+      <p:sp>
+        <p:nvSpPr>
+          <p:cNvPr id="2" name="직사각형 1">
+            <a:extLst>
+              <a:ext uri="{FF2B5EF4-FFF2-40B4-BE49-F238E27FC236}">
+                <a16:creationId xmlns:a16="http://schemas.microsoft.com/office/drawing/2014/main" id="{4DBC1DC9-A4DB-4B3D-97CE-7980D88AD73F}"/>
+              </a:ext>
+            </a:extLst>
+          </p:cNvPr>
+          <p:cNvSpPr/>
+          <p:nvPr/>
+        </p:nvSpPr>
+        <p:spPr>
+          <a:xfrm>
+            <a:off x="4588357" y="6017357"/>
+            <a:ext cx="1656184" cy="504056"/>
+          </a:xfrm>
+          <a:prstGeom prst="rect">
+            <a:avLst/>
+          </a:prstGeom>
+        </p:spPr>
+        <p:style>
+          <a:lnRef idx="2">
+            <a:schemeClr val="accent1">
+              <a:shade val="50000"/>
+            </a:schemeClr>
+          </a:lnRef>
+          <a:fillRef idx="1">
+            <a:schemeClr val="accent1"/>
+          </a:fillRef>
+          <a:effectRef idx="0">
+            <a:schemeClr val="accent1"/>
+          </a:effectRef>
+          <a:fontRef idx="minor">
+            <a:schemeClr val="lt1"/>
+          </a:fontRef>
+        </p:style>
+        <p:txBody>
+          <a:bodyPr rtlCol="0" anchor="ctr"/>
+          <a:lstStyle/>
+          <a:p>
+            <a:pPr algn="ctr"/>
+            <a:r>
+              <a:rPr lang="ko-KR" altLang="en-US" dirty="0"/>
+              <a:t>작성</a:t>
+            </a:r>
+          </a:p>
+        </p:txBody>
+      </p:sp>
+      <p:sp>
+        <p:nvSpPr>
+          <p:cNvPr id="6" name="직사각형 5">
+            <a:extLst>
+              <a:ext uri="{FF2B5EF4-FFF2-40B4-BE49-F238E27FC236}">
+                <a16:creationId xmlns:a16="http://schemas.microsoft.com/office/drawing/2014/main" id="{BF90D9DF-C1DE-4C64-A9AA-71F678535D70}"/>
+              </a:ext>
+            </a:extLst>
+          </p:cNvPr>
+          <p:cNvSpPr/>
+          <p:nvPr/>
+        </p:nvSpPr>
+        <p:spPr>
+          <a:xfrm>
+            <a:off x="6659616" y="6017357"/>
+            <a:ext cx="1656184" cy="504056"/>
+          </a:xfrm>
+          <a:prstGeom prst="rect">
+            <a:avLst/>
+          </a:prstGeom>
+        </p:spPr>
+        <p:style>
+          <a:lnRef idx="2">
+            <a:schemeClr val="accent1">
+              <a:shade val="50000"/>
+            </a:schemeClr>
+          </a:lnRef>
+          <a:fillRef idx="1">
+            <a:schemeClr val="accent1"/>
+          </a:fillRef>
+          <a:effectRef idx="0">
+            <a:schemeClr val="accent1"/>
+          </a:effectRef>
+          <a:fontRef idx="minor">
+            <a:schemeClr val="lt1"/>
+          </a:fontRef>
+        </p:style>
+        <p:txBody>
+          <a:bodyPr rtlCol="0" anchor="ctr"/>
+          <a:lstStyle/>
+          <a:p>
+            <a:pPr algn="ctr"/>
+            <a:r>
+              <a:rPr lang="ko-KR" altLang="en-US" dirty="0"/>
+              <a:t>취소</a:t>
             </a:r>
           </a:p>
         </p:txBody>
@@ -4462,7 +4770,7 @@
         </p:nvSpPr>
         <p:spPr>
           <a:xfrm>
-            <a:off x="179512" y="260648"/>
+            <a:off x="7092280" y="1016732"/>
             <a:ext cx="1944216" cy="1656184"/>
           </a:xfrm>
           <a:prstGeom prst="rect">
@@ -4494,6 +4802,23 @@
               <a:rPr lang="ko-KR" altLang="en-US" dirty="0"/>
               <a:t>관리자</a:t>
             </a:r>
+            <a:endParaRPr lang="en-US" altLang="ko-KR" dirty="0"/>
+          </a:p>
+          <a:p>
+            <a:pPr algn="ctr"/>
+            <a:r>
+              <a:rPr lang="en-US" altLang="ko-KR" dirty="0"/>
+              <a:t>(</a:t>
+            </a:r>
+            <a:r>
+              <a:rPr lang="ko-KR" altLang="en-US" dirty="0"/>
+              <a:t>팝업</a:t>
+            </a:r>
+            <a:r>
+              <a:rPr lang="en-US" altLang="ko-KR" dirty="0"/>
+              <a:t>?)</a:t>
+            </a:r>
+            <a:endParaRPr lang="ko-KR" altLang="en-US" dirty="0"/>
           </a:p>
         </p:txBody>
       </p:sp>
@@ -4505,8 +4830,8 @@
         </p:nvSpPr>
         <p:spPr>
           <a:xfrm>
-            <a:off x="2339752" y="260648"/>
-            <a:ext cx="6480720" cy="2520280"/>
+            <a:off x="395536" y="2132856"/>
+            <a:ext cx="6480720" cy="1296144"/>
           </a:xfrm>
           <a:prstGeom prst="rect">
             <a:avLst/>
@@ -4548,8 +4873,8 @@
         </p:nvSpPr>
         <p:spPr>
           <a:xfrm>
-            <a:off x="2339752" y="3068960"/>
-            <a:ext cx="6480720" cy="3384376"/>
+            <a:off x="395536" y="4293096"/>
+            <a:ext cx="6480720" cy="1440160"/>
           </a:xfrm>
           <a:prstGeom prst="rect">
             <a:avLst/>
@@ -4580,6 +4905,449 @@
               <a:rPr lang="ko-KR" altLang="en-US" dirty="0"/>
               <a:t>게시판관리</a:t>
             </a:r>
+          </a:p>
+        </p:txBody>
+      </p:sp>
+      <p:sp>
+        <p:nvSpPr>
+          <p:cNvPr id="2" name="직사각형 1">
+            <a:extLst>
+              <a:ext uri="{FF2B5EF4-FFF2-40B4-BE49-F238E27FC236}">
+                <a16:creationId xmlns:a16="http://schemas.microsoft.com/office/drawing/2014/main" id="{6F30A948-950E-459E-87FE-0AA7FC5F6D3E}"/>
+              </a:ext>
+            </a:extLst>
+          </p:cNvPr>
+          <p:cNvSpPr/>
+          <p:nvPr/>
+        </p:nvSpPr>
+        <p:spPr>
+          <a:xfrm>
+            <a:off x="0" y="0"/>
+            <a:ext cx="9144000" cy="548680"/>
+          </a:xfrm>
+          <a:prstGeom prst="rect">
+            <a:avLst/>
+          </a:prstGeom>
+        </p:spPr>
+        <p:style>
+          <a:lnRef idx="2">
+            <a:schemeClr val="accent1">
+              <a:shade val="50000"/>
+            </a:schemeClr>
+          </a:lnRef>
+          <a:fillRef idx="1">
+            <a:schemeClr val="accent1"/>
+          </a:fillRef>
+          <a:effectRef idx="0">
+            <a:schemeClr val="accent1"/>
+          </a:effectRef>
+          <a:fontRef idx="minor">
+            <a:schemeClr val="lt1"/>
+          </a:fontRef>
+        </p:style>
+        <p:txBody>
+          <a:bodyPr rtlCol="0" anchor="ctr"/>
+          <a:lstStyle/>
+          <a:p>
+            <a:pPr algn="ctr"/>
+            <a:endParaRPr lang="ko-KR" altLang="en-US"/>
+          </a:p>
+        </p:txBody>
+      </p:sp>
+      <p:sp>
+        <p:nvSpPr>
+          <p:cNvPr id="3" name="직사각형 2">
+            <a:extLst>
+              <a:ext uri="{FF2B5EF4-FFF2-40B4-BE49-F238E27FC236}">
+                <a16:creationId xmlns:a16="http://schemas.microsoft.com/office/drawing/2014/main" id="{E51F04CA-CAA6-414A-8209-62A1589BB4EC}"/>
+              </a:ext>
+            </a:extLst>
+          </p:cNvPr>
+          <p:cNvSpPr/>
+          <p:nvPr/>
+        </p:nvSpPr>
+        <p:spPr>
+          <a:xfrm>
+            <a:off x="395536" y="3501008"/>
+            <a:ext cx="1584176" cy="576064"/>
+          </a:xfrm>
+          <a:prstGeom prst="rect">
+            <a:avLst/>
+          </a:prstGeom>
+        </p:spPr>
+        <p:style>
+          <a:lnRef idx="2">
+            <a:schemeClr val="accent1">
+              <a:shade val="50000"/>
+            </a:schemeClr>
+          </a:lnRef>
+          <a:fillRef idx="1">
+            <a:schemeClr val="accent1"/>
+          </a:fillRef>
+          <a:effectRef idx="0">
+            <a:schemeClr val="accent1"/>
+          </a:effectRef>
+          <a:fontRef idx="minor">
+            <a:schemeClr val="lt1"/>
+          </a:fontRef>
+        </p:style>
+        <p:txBody>
+          <a:bodyPr rtlCol="0" anchor="ctr"/>
+          <a:lstStyle/>
+          <a:p>
+            <a:pPr algn="ctr"/>
+            <a:r>
+              <a:rPr lang="ko-KR" altLang="en-US" dirty="0"/>
+              <a:t>회원승인</a:t>
+            </a:r>
+          </a:p>
+        </p:txBody>
+      </p:sp>
+      <p:sp>
+        <p:nvSpPr>
+          <p:cNvPr id="7" name="직사각형 6">
+            <a:extLst>
+              <a:ext uri="{FF2B5EF4-FFF2-40B4-BE49-F238E27FC236}">
+                <a16:creationId xmlns:a16="http://schemas.microsoft.com/office/drawing/2014/main" id="{80C48FA8-664B-4675-9A32-78103FDA4103}"/>
+              </a:ext>
+            </a:extLst>
+          </p:cNvPr>
+          <p:cNvSpPr/>
+          <p:nvPr/>
+        </p:nvSpPr>
+        <p:spPr>
+          <a:xfrm>
+            <a:off x="2144821" y="3515161"/>
+            <a:ext cx="1584176" cy="576064"/>
+          </a:xfrm>
+          <a:prstGeom prst="rect">
+            <a:avLst/>
+          </a:prstGeom>
+        </p:spPr>
+        <p:style>
+          <a:lnRef idx="2">
+            <a:schemeClr val="accent1">
+              <a:shade val="50000"/>
+            </a:schemeClr>
+          </a:lnRef>
+          <a:fillRef idx="1">
+            <a:schemeClr val="accent1"/>
+          </a:fillRef>
+          <a:effectRef idx="0">
+            <a:schemeClr val="accent1"/>
+          </a:effectRef>
+          <a:fontRef idx="minor">
+            <a:schemeClr val="lt1"/>
+          </a:fontRef>
+        </p:style>
+        <p:txBody>
+          <a:bodyPr rtlCol="0" anchor="ctr"/>
+          <a:lstStyle/>
+          <a:p>
+            <a:pPr algn="ctr"/>
+            <a:r>
+              <a:rPr lang="ko-KR" altLang="en-US" dirty="0"/>
+              <a:t>회원거절</a:t>
+            </a:r>
+          </a:p>
+        </p:txBody>
+      </p:sp>
+      <p:sp>
+        <p:nvSpPr>
+          <p:cNvPr id="8" name="직사각형 7">
+            <a:extLst>
+              <a:ext uri="{FF2B5EF4-FFF2-40B4-BE49-F238E27FC236}">
+                <a16:creationId xmlns:a16="http://schemas.microsoft.com/office/drawing/2014/main" id="{CF5A1D7B-EE8A-4AB2-8A86-554A6090C93D}"/>
+              </a:ext>
+            </a:extLst>
+          </p:cNvPr>
+          <p:cNvSpPr/>
+          <p:nvPr/>
+        </p:nvSpPr>
+        <p:spPr>
+          <a:xfrm>
+            <a:off x="2144821" y="5939494"/>
+            <a:ext cx="1584176" cy="576064"/>
+          </a:xfrm>
+          <a:prstGeom prst="rect">
+            <a:avLst/>
+          </a:prstGeom>
+        </p:spPr>
+        <p:style>
+          <a:lnRef idx="2">
+            <a:schemeClr val="accent1">
+              <a:shade val="50000"/>
+            </a:schemeClr>
+          </a:lnRef>
+          <a:fillRef idx="1">
+            <a:schemeClr val="accent1"/>
+          </a:fillRef>
+          <a:effectRef idx="0">
+            <a:schemeClr val="accent1"/>
+          </a:effectRef>
+          <a:fontRef idx="minor">
+            <a:schemeClr val="lt1"/>
+          </a:fontRef>
+        </p:style>
+        <p:txBody>
+          <a:bodyPr rtlCol="0" anchor="ctr"/>
+          <a:lstStyle/>
+          <a:p>
+            <a:pPr algn="ctr"/>
+            <a:r>
+              <a:rPr lang="ko-KR" altLang="en-US" dirty="0"/>
+              <a:t>게시글 보기</a:t>
+            </a:r>
+          </a:p>
+        </p:txBody>
+      </p:sp>
+      <p:sp>
+        <p:nvSpPr>
+          <p:cNvPr id="9" name="직사각형 8">
+            <a:extLst>
+              <a:ext uri="{FF2B5EF4-FFF2-40B4-BE49-F238E27FC236}">
+                <a16:creationId xmlns:a16="http://schemas.microsoft.com/office/drawing/2014/main" id="{9A14D1E6-AE29-4DBE-8643-12E3D0748BA9}"/>
+              </a:ext>
+            </a:extLst>
+          </p:cNvPr>
+          <p:cNvSpPr/>
+          <p:nvPr/>
+        </p:nvSpPr>
+        <p:spPr>
+          <a:xfrm>
+            <a:off x="395536" y="5935127"/>
+            <a:ext cx="1584176" cy="576064"/>
+          </a:xfrm>
+          <a:prstGeom prst="rect">
+            <a:avLst/>
+          </a:prstGeom>
+        </p:spPr>
+        <p:style>
+          <a:lnRef idx="2">
+            <a:schemeClr val="accent1">
+              <a:shade val="50000"/>
+            </a:schemeClr>
+          </a:lnRef>
+          <a:fillRef idx="1">
+            <a:schemeClr val="accent1"/>
+          </a:fillRef>
+          <a:effectRef idx="0">
+            <a:schemeClr val="accent1"/>
+          </a:effectRef>
+          <a:fontRef idx="minor">
+            <a:schemeClr val="lt1"/>
+          </a:fontRef>
+        </p:style>
+        <p:txBody>
+          <a:bodyPr rtlCol="0" anchor="ctr"/>
+          <a:lstStyle/>
+          <a:p>
+            <a:pPr algn="ctr"/>
+            <a:r>
+              <a:rPr lang="ko-KR" altLang="en-US" dirty="0"/>
+              <a:t>게시글 삭제</a:t>
+            </a:r>
+          </a:p>
+        </p:txBody>
+      </p:sp>
+      <p:sp>
+        <p:nvSpPr>
+          <p:cNvPr id="10" name="직사각형 9">
+            <a:extLst>
+              <a:ext uri="{FF2B5EF4-FFF2-40B4-BE49-F238E27FC236}">
+                <a16:creationId xmlns:a16="http://schemas.microsoft.com/office/drawing/2014/main" id="{403B5FE8-7838-42B7-ADE6-B359118A1005}"/>
+              </a:ext>
+            </a:extLst>
+          </p:cNvPr>
+          <p:cNvSpPr/>
+          <p:nvPr/>
+        </p:nvSpPr>
+        <p:spPr>
+          <a:xfrm>
+            <a:off x="6516216" y="2132856"/>
+            <a:ext cx="360040" cy="1296144"/>
+          </a:xfrm>
+          <a:prstGeom prst="rect">
+            <a:avLst/>
+          </a:prstGeom>
+          <a:solidFill>
+            <a:schemeClr val="tx1"/>
+          </a:solidFill>
+          <a:ln>
+            <a:solidFill>
+              <a:schemeClr val="tx1"/>
+            </a:solidFill>
+          </a:ln>
+        </p:spPr>
+        <p:style>
+          <a:lnRef idx="2">
+            <a:schemeClr val="accent1">
+              <a:shade val="50000"/>
+            </a:schemeClr>
+          </a:lnRef>
+          <a:fillRef idx="1">
+            <a:schemeClr val="accent1"/>
+          </a:fillRef>
+          <a:effectRef idx="0">
+            <a:schemeClr val="accent1"/>
+          </a:effectRef>
+          <a:fontRef idx="minor">
+            <a:schemeClr val="lt1"/>
+          </a:fontRef>
+        </p:style>
+        <p:txBody>
+          <a:bodyPr rtlCol="0" anchor="ctr"/>
+          <a:lstStyle/>
+          <a:p>
+            <a:pPr algn="ctr"/>
+            <a:endParaRPr lang="ko-KR" altLang="en-US"/>
+          </a:p>
+        </p:txBody>
+      </p:sp>
+      <p:sp>
+        <p:nvSpPr>
+          <p:cNvPr id="11" name="직사각형 10">
+            <a:extLst>
+              <a:ext uri="{FF2B5EF4-FFF2-40B4-BE49-F238E27FC236}">
+                <a16:creationId xmlns:a16="http://schemas.microsoft.com/office/drawing/2014/main" id="{B64881DB-8AE6-4639-9B82-B7DB79CAB205}"/>
+              </a:ext>
+            </a:extLst>
+          </p:cNvPr>
+          <p:cNvSpPr/>
+          <p:nvPr/>
+        </p:nvSpPr>
+        <p:spPr>
+          <a:xfrm>
+            <a:off x="6516216" y="4293096"/>
+            <a:ext cx="360040" cy="1440160"/>
+          </a:xfrm>
+          <a:prstGeom prst="rect">
+            <a:avLst/>
+          </a:prstGeom>
+          <a:solidFill>
+            <a:schemeClr val="tx1"/>
+          </a:solidFill>
+        </p:spPr>
+        <p:style>
+          <a:lnRef idx="2">
+            <a:schemeClr val="accent1">
+              <a:shade val="50000"/>
+            </a:schemeClr>
+          </a:lnRef>
+          <a:fillRef idx="1">
+            <a:schemeClr val="accent1"/>
+          </a:fillRef>
+          <a:effectRef idx="0">
+            <a:schemeClr val="accent1"/>
+          </a:effectRef>
+          <a:fontRef idx="minor">
+            <a:schemeClr val="lt1"/>
+          </a:fontRef>
+        </p:style>
+        <p:txBody>
+          <a:bodyPr rtlCol="0" anchor="ctr"/>
+          <a:lstStyle/>
+          <a:p>
+            <a:pPr algn="ctr"/>
+            <a:endParaRPr lang="ko-KR" altLang="en-US"/>
+          </a:p>
+        </p:txBody>
+      </p:sp>
+      <p:sp>
+        <p:nvSpPr>
+          <p:cNvPr id="12" name="직사각형 11">
+            <a:extLst>
+              <a:ext uri="{FF2B5EF4-FFF2-40B4-BE49-F238E27FC236}">
+                <a16:creationId xmlns:a16="http://schemas.microsoft.com/office/drawing/2014/main" id="{75B0A9F3-623C-4596-AC0D-6A9C21B1B06B}"/>
+              </a:ext>
+            </a:extLst>
+          </p:cNvPr>
+          <p:cNvSpPr/>
+          <p:nvPr/>
+        </p:nvSpPr>
+        <p:spPr>
+          <a:xfrm>
+            <a:off x="6516216" y="2132856"/>
+            <a:ext cx="360040" cy="360040"/>
+          </a:xfrm>
+          <a:prstGeom prst="rect">
+            <a:avLst/>
+          </a:prstGeom>
+          <a:solidFill>
+            <a:schemeClr val="bg1"/>
+          </a:solidFill>
+        </p:spPr>
+        <p:style>
+          <a:lnRef idx="2">
+            <a:schemeClr val="accent1">
+              <a:shade val="50000"/>
+            </a:schemeClr>
+          </a:lnRef>
+          <a:fillRef idx="1">
+            <a:schemeClr val="accent1"/>
+          </a:fillRef>
+          <a:effectRef idx="0">
+            <a:schemeClr val="accent1"/>
+          </a:effectRef>
+          <a:fontRef idx="minor">
+            <a:schemeClr val="lt1"/>
+          </a:fontRef>
+        </p:style>
+        <p:txBody>
+          <a:bodyPr rtlCol="0" anchor="ctr"/>
+          <a:lstStyle/>
+          <a:p>
+            <a:pPr algn="ctr"/>
+            <a:endParaRPr lang="ko-KR" altLang="en-US"/>
+          </a:p>
+        </p:txBody>
+      </p:sp>
+      <p:sp>
+        <p:nvSpPr>
+          <p:cNvPr id="13" name="직사각형 12">
+            <a:extLst>
+              <a:ext uri="{FF2B5EF4-FFF2-40B4-BE49-F238E27FC236}">
+                <a16:creationId xmlns:a16="http://schemas.microsoft.com/office/drawing/2014/main" id="{0DB09AFF-87A0-4ED0-983B-B95210294EAC}"/>
+              </a:ext>
+            </a:extLst>
+          </p:cNvPr>
+          <p:cNvSpPr/>
+          <p:nvPr/>
+        </p:nvSpPr>
+        <p:spPr>
+          <a:xfrm>
+            <a:off x="6516216" y="4285983"/>
+            <a:ext cx="360040" cy="360040"/>
+          </a:xfrm>
+          <a:prstGeom prst="rect">
+            <a:avLst/>
+          </a:prstGeom>
+          <a:solidFill>
+            <a:schemeClr val="bg1"/>
+          </a:solidFill>
+        </p:spPr>
+        <p:style>
+          <a:lnRef idx="2">
+            <a:schemeClr val="accent1">
+              <a:shade val="50000"/>
+            </a:schemeClr>
+          </a:lnRef>
+          <a:fillRef idx="1">
+            <a:schemeClr val="accent1"/>
+          </a:fillRef>
+          <a:effectRef idx="0">
+            <a:schemeClr val="accent1"/>
+          </a:effectRef>
+          <a:fontRef idx="minor">
+            <a:schemeClr val="lt1"/>
+          </a:fontRef>
+        </p:style>
+        <p:txBody>
+          <a:bodyPr rtlCol="0" anchor="ctr"/>
+          <a:lstStyle/>
+          <a:p>
+            <a:pPr algn="ctr"/>
+            <a:endParaRPr lang="ko-KR" altLang="en-US"/>
           </a:p>
         </p:txBody>
       </p:sp>

--- a/앱_웹 레퍼런스 구상.pptx
+++ b/앱_웹 레퍼런스 구상.pptx
@@ -212,7 +212,7 @@
           <a:p>
             <a:fld id="{801BB47E-CF01-4BBB-AE4D-A8513F7A2F5A}" type="datetimeFigureOut">
               <a:rPr lang="ko-KR" altLang="en-US" smtClean="0"/>
-              <a:t>2022-02-11</a:t>
+              <a:t>2022-02-13</a:t>
             </a:fld>
             <a:endParaRPr lang="ko-KR" altLang="en-US"/>
           </a:p>
@@ -742,7 +742,7 @@
           <a:p>
             <a:fld id="{BFC066E6-B7C5-40B9-A4CB-E79406861891}" type="datetimeFigureOut">
               <a:rPr lang="ko-KR" altLang="en-US" smtClean="0"/>
-              <a:t>2022-02-11</a:t>
+              <a:t>2022-02-13</a:t>
             </a:fld>
             <a:endParaRPr lang="ko-KR" altLang="en-US"/>
           </a:p>
@@ -910,7 +910,7 @@
           <a:p>
             <a:fld id="{BFC066E6-B7C5-40B9-A4CB-E79406861891}" type="datetimeFigureOut">
               <a:rPr lang="ko-KR" altLang="en-US" smtClean="0"/>
-              <a:t>2022-02-11</a:t>
+              <a:t>2022-02-13</a:t>
             </a:fld>
             <a:endParaRPr lang="ko-KR" altLang="en-US"/>
           </a:p>
@@ -1088,7 +1088,7 @@
           <a:p>
             <a:fld id="{BFC066E6-B7C5-40B9-A4CB-E79406861891}" type="datetimeFigureOut">
               <a:rPr lang="ko-KR" altLang="en-US" smtClean="0"/>
-              <a:t>2022-02-11</a:t>
+              <a:t>2022-02-13</a:t>
             </a:fld>
             <a:endParaRPr lang="ko-KR" altLang="en-US"/>
           </a:p>
@@ -1256,7 +1256,7 @@
           <a:p>
             <a:fld id="{BFC066E6-B7C5-40B9-A4CB-E79406861891}" type="datetimeFigureOut">
               <a:rPr lang="ko-KR" altLang="en-US" smtClean="0"/>
-              <a:t>2022-02-11</a:t>
+              <a:t>2022-02-13</a:t>
             </a:fld>
             <a:endParaRPr lang="ko-KR" altLang="en-US"/>
           </a:p>
@@ -1501,7 +1501,7 @@
           <a:p>
             <a:fld id="{BFC066E6-B7C5-40B9-A4CB-E79406861891}" type="datetimeFigureOut">
               <a:rPr lang="ko-KR" altLang="en-US" smtClean="0"/>
-              <a:t>2022-02-11</a:t>
+              <a:t>2022-02-13</a:t>
             </a:fld>
             <a:endParaRPr lang="ko-KR" altLang="en-US"/>
           </a:p>
@@ -1786,7 +1786,7 @@
           <a:p>
             <a:fld id="{BFC066E6-B7C5-40B9-A4CB-E79406861891}" type="datetimeFigureOut">
               <a:rPr lang="ko-KR" altLang="en-US" smtClean="0"/>
-              <a:t>2022-02-11</a:t>
+              <a:t>2022-02-13</a:t>
             </a:fld>
             <a:endParaRPr lang="ko-KR" altLang="en-US"/>
           </a:p>
@@ -2205,7 +2205,7 @@
           <a:p>
             <a:fld id="{BFC066E6-B7C5-40B9-A4CB-E79406861891}" type="datetimeFigureOut">
               <a:rPr lang="ko-KR" altLang="en-US" smtClean="0"/>
-              <a:t>2022-02-11</a:t>
+              <a:t>2022-02-13</a:t>
             </a:fld>
             <a:endParaRPr lang="ko-KR" altLang="en-US"/>
           </a:p>
@@ -2322,7 +2322,7 @@
           <a:p>
             <a:fld id="{BFC066E6-B7C5-40B9-A4CB-E79406861891}" type="datetimeFigureOut">
               <a:rPr lang="ko-KR" altLang="en-US" smtClean="0"/>
-              <a:t>2022-02-11</a:t>
+              <a:t>2022-02-13</a:t>
             </a:fld>
             <a:endParaRPr lang="ko-KR" altLang="en-US"/>
           </a:p>
@@ -2417,7 +2417,7 @@
           <a:p>
             <a:fld id="{BFC066E6-B7C5-40B9-A4CB-E79406861891}" type="datetimeFigureOut">
               <a:rPr lang="ko-KR" altLang="en-US" smtClean="0"/>
-              <a:t>2022-02-11</a:t>
+              <a:t>2022-02-13</a:t>
             </a:fld>
             <a:endParaRPr lang="ko-KR" altLang="en-US"/>
           </a:p>
@@ -2692,7 +2692,7 @@
           <a:p>
             <a:fld id="{BFC066E6-B7C5-40B9-A4CB-E79406861891}" type="datetimeFigureOut">
               <a:rPr lang="ko-KR" altLang="en-US" smtClean="0"/>
-              <a:t>2022-02-11</a:t>
+              <a:t>2022-02-13</a:t>
             </a:fld>
             <a:endParaRPr lang="ko-KR" altLang="en-US"/>
           </a:p>
@@ -2944,7 +2944,7 @@
           <a:p>
             <a:fld id="{BFC066E6-B7C5-40B9-A4CB-E79406861891}" type="datetimeFigureOut">
               <a:rPr lang="ko-KR" altLang="en-US" smtClean="0"/>
-              <a:t>2022-02-11</a:t>
+              <a:t>2022-02-13</a:t>
             </a:fld>
             <a:endParaRPr lang="ko-KR" altLang="en-US"/>
           </a:p>
@@ -3155,7 +3155,7 @@
           <a:p>
             <a:fld id="{BFC066E6-B7C5-40B9-A4CB-E79406861891}" type="datetimeFigureOut">
               <a:rPr lang="ko-KR" altLang="en-US" smtClean="0"/>
-              <a:t>2022-02-11</a:t>
+              <a:t>2022-02-13</a:t>
             </a:fld>
             <a:endParaRPr lang="ko-KR" altLang="en-US"/>
           </a:p>
@@ -3906,49 +3906,6 @@
             <a:r>
               <a:rPr lang="ko-KR" altLang="en-US" sz="1600" dirty="0"/>
               <a:t>최근 동영상</a:t>
-            </a:r>
-          </a:p>
-        </p:txBody>
-      </p:sp>
-      <p:sp>
-        <p:nvSpPr>
-          <p:cNvPr id="13" name="직사각형 12"/>
-          <p:cNvSpPr/>
-          <p:nvPr/>
-        </p:nvSpPr>
-        <p:spPr>
-          <a:xfrm>
-            <a:off x="323528" y="3884268"/>
-            <a:ext cx="1728192" cy="2756169"/>
-          </a:xfrm>
-          <a:prstGeom prst="rect">
-            <a:avLst/>
-          </a:prstGeom>
-        </p:spPr>
-        <p:style>
-          <a:lnRef idx="2">
-            <a:schemeClr val="accent1">
-              <a:shade val="50000"/>
-            </a:schemeClr>
-          </a:lnRef>
-          <a:fillRef idx="1">
-            <a:schemeClr val="accent1"/>
-          </a:fillRef>
-          <a:effectRef idx="0">
-            <a:schemeClr val="accent1"/>
-          </a:effectRef>
-          <a:fontRef idx="minor">
-            <a:schemeClr val="lt1"/>
-          </a:fontRef>
-        </p:style>
-        <p:txBody>
-          <a:bodyPr rtlCol="0" anchor="ctr"/>
-          <a:lstStyle/>
-          <a:p>
-            <a:pPr algn="ctr"/>
-            <a:r>
-              <a:rPr lang="ko-KR" altLang="en-US" dirty="0"/>
-              <a:t>방문자 목록</a:t>
             </a:r>
           </a:p>
         </p:txBody>
